--- a/dougstuff/Data Preparation.pptx
+++ b/dougstuff/Data Preparation.pptx
@@ -115,6 +115,11 @@
       </a:defRPr>
     </a:lvl9pPr>
   </p:defaultTextStyle>
+  <p:extLst>
+    <p:ext uri="{EFAFB233-063F-42B5-8137-9DF3F51BA10A}">
+      <p15:sldGuideLst xmlns:p15="http://schemas.microsoft.com/office/powerpoint/2012/main"/>
+    </p:ext>
+  </p:extLst>
 </p:presentation>
 </file>
 
@@ -265,7 +270,7 @@
           <a:p>
             <a:fld id="{3DE0A664-660E-429E-A366-4D3B39364EB8}" type="datetimeFigureOut">
               <a:rPr lang="en-US" smtClean="0"/>
-              <a:t>8/2/2019</a:t>
+              <a:t>8/3/2019</a:t>
             </a:fld>
             <a:endParaRPr lang="en-US"/>
           </a:p>
@@ -463,7 +468,7 @@
           <a:p>
             <a:fld id="{3DE0A664-660E-429E-A366-4D3B39364EB8}" type="datetimeFigureOut">
               <a:rPr lang="en-US" smtClean="0"/>
-              <a:t>8/2/2019</a:t>
+              <a:t>8/3/2019</a:t>
             </a:fld>
             <a:endParaRPr lang="en-US"/>
           </a:p>
@@ -671,7 +676,7 @@
           <a:p>
             <a:fld id="{3DE0A664-660E-429E-A366-4D3B39364EB8}" type="datetimeFigureOut">
               <a:rPr lang="en-US" smtClean="0"/>
-              <a:t>8/2/2019</a:t>
+              <a:t>8/3/2019</a:t>
             </a:fld>
             <a:endParaRPr lang="en-US"/>
           </a:p>
@@ -869,7 +874,7 @@
           <a:p>
             <a:fld id="{3DE0A664-660E-429E-A366-4D3B39364EB8}" type="datetimeFigureOut">
               <a:rPr lang="en-US" smtClean="0"/>
-              <a:t>8/2/2019</a:t>
+              <a:t>8/3/2019</a:t>
             </a:fld>
             <a:endParaRPr lang="en-US"/>
           </a:p>
@@ -1144,7 +1149,7 @@
           <a:p>
             <a:fld id="{3DE0A664-660E-429E-A366-4D3B39364EB8}" type="datetimeFigureOut">
               <a:rPr lang="en-US" smtClean="0"/>
-              <a:t>8/2/2019</a:t>
+              <a:t>8/3/2019</a:t>
             </a:fld>
             <a:endParaRPr lang="en-US"/>
           </a:p>
@@ -1409,7 +1414,7 @@
           <a:p>
             <a:fld id="{3DE0A664-660E-429E-A366-4D3B39364EB8}" type="datetimeFigureOut">
               <a:rPr lang="en-US" smtClean="0"/>
-              <a:t>8/2/2019</a:t>
+              <a:t>8/3/2019</a:t>
             </a:fld>
             <a:endParaRPr lang="en-US"/>
           </a:p>
@@ -1821,7 +1826,7 @@
           <a:p>
             <a:fld id="{3DE0A664-660E-429E-A366-4D3B39364EB8}" type="datetimeFigureOut">
               <a:rPr lang="en-US" smtClean="0"/>
-              <a:t>8/2/2019</a:t>
+              <a:t>8/3/2019</a:t>
             </a:fld>
             <a:endParaRPr lang="en-US"/>
           </a:p>
@@ -1962,7 +1967,7 @@
           <a:p>
             <a:fld id="{3DE0A664-660E-429E-A366-4D3B39364EB8}" type="datetimeFigureOut">
               <a:rPr lang="en-US" smtClean="0"/>
-              <a:t>8/2/2019</a:t>
+              <a:t>8/3/2019</a:t>
             </a:fld>
             <a:endParaRPr lang="en-US"/>
           </a:p>
@@ -2075,7 +2080,7 @@
           <a:p>
             <a:fld id="{3DE0A664-660E-429E-A366-4D3B39364EB8}" type="datetimeFigureOut">
               <a:rPr lang="en-US" smtClean="0"/>
-              <a:t>8/2/2019</a:t>
+              <a:t>8/3/2019</a:t>
             </a:fld>
             <a:endParaRPr lang="en-US"/>
           </a:p>
@@ -2386,7 +2391,7 @@
           <a:p>
             <a:fld id="{3DE0A664-660E-429E-A366-4D3B39364EB8}" type="datetimeFigureOut">
               <a:rPr lang="en-US" smtClean="0"/>
-              <a:t>8/2/2019</a:t>
+              <a:t>8/3/2019</a:t>
             </a:fld>
             <a:endParaRPr lang="en-US"/>
           </a:p>
@@ -2674,7 +2679,7 @@
           <a:p>
             <a:fld id="{3DE0A664-660E-429E-A366-4D3B39364EB8}" type="datetimeFigureOut">
               <a:rPr lang="en-US" smtClean="0"/>
-              <a:t>8/2/2019</a:t>
+              <a:t>8/3/2019</a:t>
             </a:fld>
             <a:endParaRPr lang="en-US"/>
           </a:p>
@@ -2915,7 +2920,7 @@
           <a:p>
             <a:fld id="{3DE0A664-660E-429E-A366-4D3B39364EB8}" type="datetimeFigureOut">
               <a:rPr lang="en-US" smtClean="0"/>
-              <a:t>8/2/2019</a:t>
+              <a:t>8/3/2019</a:t>
             </a:fld>
             <a:endParaRPr lang="en-US"/>
           </a:p>
@@ -4140,7 +4145,7 @@
             </a:r>
             <a:r>
               <a:rPr lang="en-US" dirty="0"/>
-              <a:t> has C=1.  For this model, there are 63 non-zero parameters.  Some of the more important predictors are:  V6301, V6305, V5225, V102, EDCAT, V6215, V5115, DEPREC, and V6126.  </a:t>
+              <a:t> has C=0.05.  For this model, there are 63 non-zero parameters.  Some of the more important predictors are:  V6301, V6305, V5225, V102, EDCAT, V6215, V5115, DEPREC, and V6126.  </a:t>
             </a:r>
           </a:p>
           <a:p>
@@ -5331,7 +5336,7 @@
         </p:blipFill>
         <p:spPr>
           <a:xfrm>
-            <a:off x="1637414" y="1059610"/>
+            <a:off x="1857049" y="1353880"/>
             <a:ext cx="7756155" cy="5117353"/>
           </a:xfrm>
         </p:spPr>
